--- a/slide/chapter01_02.pptx
+++ b/slide/chapter01_02.pptx
@@ -5,13 +5,20 @@
     <p:sldMasterId id="2147483648" r:id="rId1"/>
   </p:sldMasterIdLst>
   <p:notesMasterIdLst>
-    <p:notesMasterId r:id="rId3"/>
+    <p:notesMasterId r:id="rId11"/>
   </p:notesMasterIdLst>
   <p:handoutMasterIdLst>
-    <p:handoutMasterId r:id="rId4"/>
+    <p:handoutMasterId r:id="rId12"/>
   </p:handoutMasterIdLst>
-  <p:sldIdLst xmlns:a="http://schemas.openxmlformats.org/drawingml/2006/main" xmlns:r="http://schemas.openxmlformats.org/officeDocument/2006/relationships" xmlns:p="http://schemas.openxmlformats.org/presentationml/2006/main">
-    <p:sldId id="256" r:id="rId9"/>
+  <p:sldIdLst>
+    <p:sldId id="256" r:id="rId2"/>
+    <p:sldId id="258" r:id="rId3"/>
+    <p:sldId id="259" r:id="rId4"/>
+    <p:sldId id="260" r:id="rId5"/>
+    <p:sldId id="261" r:id="rId6"/>
+    <p:sldId id="262" r:id="rId7"/>
+    <p:sldId id="263" r:id="rId8"/>
+    <p:sldId id="264" r:id="rId9"/>
     <p:sldId id="257" r:id="rId10"/>
   </p:sldIdLst>
   <p:sldSz cx="12192000" cy="6858000"/>
@@ -227,7 +234,7 @@
           <a:p>
             <a:fld id="{29390878-AFCD-49E6-A91A-D3D82D9E9D55}" type="datetimeFigureOut">
               <a:rPr lang="ko-KR" altLang="en-US" smtClean="0"/>
-              <a:t>2019-02-11</a:t>
+              <a:t>2019-02-13</a:t>
             </a:fld>
             <a:endParaRPr lang="ko-KR" altLang="en-US"/>
           </a:p>
@@ -404,7 +411,7 @@
           <a:p>
             <a:fld id="{459417EB-76F7-4DE7-93AA-C880C553CE34}" type="datetimeFigureOut">
               <a:rPr lang="ko-KR" altLang="en-US" smtClean="0"/>
-              <a:t>2019-02-11</a:t>
+              <a:t>2019-02-13</a:t>
             </a:fld>
             <a:endParaRPr lang="ko-KR" altLang="en-US"/>
           </a:p>
@@ -6964,9 +6971,9 @@
           <a:chExt cx="0" cy="0"/>
         </a:xfrm>
       </p:grpSpPr>
-      <p:sp xmlns:a="http://schemas.openxmlformats.org/drawingml/2006/main" xmlns:r="http://schemas.openxmlformats.org/officeDocument/2006/relationships" xmlns:p="http://schemas.openxmlformats.org/presentationml/2006/main">
-        <p:nvSpPr>
-          <p:cNvPr id="2" name=""/>
+      <p:sp>
+        <p:nvSpPr>
+          <p:cNvPr id="2" name="텍스트 개체 틀 1"/>
           <p:cNvSpPr>
             <a:spLocks noGrp="1"/>
           </p:cNvSpPr>
@@ -6985,15 +6992,14 @@
           <a:lstStyle/>
           <a:p>
             <a:r>
-              <a:rPr/>
               <a:t>01</a:t>
             </a:r>
           </a:p>
         </p:txBody>
       </p:sp>
-      <p:sp xmlns:a="http://schemas.openxmlformats.org/drawingml/2006/main" xmlns:r="http://schemas.openxmlformats.org/officeDocument/2006/relationships" xmlns:p="http://schemas.openxmlformats.org/presentationml/2006/main">
-        <p:nvSpPr>
-          <p:cNvPr id="3" name=""/>
+      <p:sp>
+        <p:nvSpPr>
+          <p:cNvPr id="3" name="제목 2"/>
           <p:cNvSpPr>
             <a:spLocks noGrp="1"/>
           </p:cNvSpPr>
@@ -7012,15 +7018,14 @@
           <a:lstStyle/>
           <a:p>
             <a:r>
-              <a:rPr/>
               <a:t>도구의 사용법</a:t>
             </a:r>
           </a:p>
         </p:txBody>
       </p:sp>
-      <p:sp xmlns:a="http://schemas.openxmlformats.org/drawingml/2006/main" xmlns:r="http://schemas.openxmlformats.org/officeDocument/2006/relationships" xmlns:p="http://schemas.openxmlformats.org/presentationml/2006/main">
-        <p:nvSpPr>
-          <p:cNvPr id="4" name=""/>
+      <p:sp>
+        <p:nvSpPr>
+          <p:cNvPr id="4" name="텍스트 개체 틀 3"/>
           <p:cNvSpPr>
             <a:spLocks noGrp="1"/>
           </p:cNvSpPr>
@@ -7039,7 +7044,6 @@
           <a:lstStyle/>
           <a:p>
             <a:r>
-              <a:rPr/>
               <a:t>Rstudio 구성</a:t>
             </a:r>
           </a:p>
@@ -7070,9 +7074,1131 @@
           <a:chExt cx="0" cy="0"/>
         </a:xfrm>
       </p:grpSpPr>
-      <p:sp xmlns:a="http://schemas.openxmlformats.org/drawingml/2006/main" xmlns:r="http://schemas.openxmlformats.org/officeDocument/2006/relationships" xmlns:p="http://schemas.openxmlformats.org/presentationml/2006/main">
-        <p:nvSpPr>
-          <p:cNvPr id="2" name=""/>
+      <p:sp>
+        <p:nvSpPr>
+          <p:cNvPr id="2" name="제목 1">
+            <a:extLst>
+              <a:ext uri="{FF2B5EF4-FFF2-40B4-BE49-F238E27FC236}">
+                <a16:creationId xmlns:a16="http://schemas.microsoft.com/office/drawing/2014/main" id="{45EE51FE-3655-41AE-8083-DABA56678233}"/>
+              </a:ext>
+            </a:extLst>
+          </p:cNvPr>
+          <p:cNvSpPr>
+            <a:spLocks noGrp="1"/>
+          </p:cNvSpPr>
+          <p:nvPr>
+            <p:ph type="title"/>
+          </p:nvPr>
+        </p:nvSpPr>
+        <p:spPr/>
+        <p:txBody>
+          <a:bodyPr/>
+          <a:lstStyle/>
+          <a:p>
+            <a:r>
+              <a:rPr lang="en-US" altLang="ko-KR" dirty="0" err="1"/>
+              <a:t>Rstudio</a:t>
+            </a:r>
+            <a:r>
+              <a:rPr lang="en-US" altLang="ko-KR" dirty="0"/>
+              <a:t> </a:t>
+            </a:r>
+            <a:r>
+              <a:rPr lang="ko-KR" altLang="en-US" dirty="0"/>
+              <a:t>소개</a:t>
+            </a:r>
+          </a:p>
+        </p:txBody>
+      </p:sp>
+      <p:sp>
+        <p:nvSpPr>
+          <p:cNvPr id="3" name="텍스트 개체 틀 2">
+            <a:extLst>
+              <a:ext uri="{FF2B5EF4-FFF2-40B4-BE49-F238E27FC236}">
+                <a16:creationId xmlns:a16="http://schemas.microsoft.com/office/drawing/2014/main" id="{519DD8B5-6D62-4287-AE99-B9CB56D596F9}"/>
+              </a:ext>
+            </a:extLst>
+          </p:cNvPr>
+          <p:cNvSpPr>
+            <a:spLocks noGrp="1"/>
+          </p:cNvSpPr>
+          <p:nvPr>
+            <p:ph type="body" sz="quarter" idx="10"/>
+          </p:nvPr>
+        </p:nvSpPr>
+        <p:spPr/>
+        <p:txBody>
+          <a:bodyPr/>
+          <a:lstStyle/>
+          <a:p>
+            <a:r>
+              <a:rPr lang="en-US" altLang="ko-KR" dirty="0"/>
+              <a:t>01</a:t>
+            </a:r>
+            <a:endParaRPr lang="ko-KR" altLang="en-US" dirty="0"/>
+          </a:p>
+        </p:txBody>
+      </p:sp>
+    </p:spTree>
+    <p:extLst>
+      <p:ext uri="{BB962C8B-B14F-4D97-AF65-F5344CB8AC3E}">
+        <p14:creationId xmlns:p14="http://schemas.microsoft.com/office/powerpoint/2010/main" val="3334160227"/>
+      </p:ext>
+    </p:extLst>
+  </p:cSld>
+  <p:clrMapOvr>
+    <a:masterClrMapping/>
+  </p:clrMapOvr>
+</p:sld>
+</file>
+
+<file path=ppt/slides/slide3.xml><?xml version="1.0" encoding="utf-8"?>
+<p:sld xmlns:a="http://schemas.openxmlformats.org/drawingml/2006/main" xmlns:r="http://schemas.openxmlformats.org/officeDocument/2006/relationships" xmlns:p="http://schemas.openxmlformats.org/presentationml/2006/main">
+  <p:cSld>
+    <p:spTree>
+      <p:nvGrpSpPr>
+        <p:cNvPr id="1" name=""/>
+        <p:cNvGrpSpPr/>
+        <p:nvPr/>
+      </p:nvGrpSpPr>
+      <p:grpSpPr>
+        <a:xfrm>
+          <a:off x="0" y="0"/>
+          <a:ext cx="0" cy="0"/>
+          <a:chOff x="0" y="0"/>
+          <a:chExt cx="0" cy="0"/>
+        </a:xfrm>
+      </p:grpSpPr>
+      <p:sp>
+        <p:nvSpPr>
+          <p:cNvPr id="2" name="제목 1">
+            <a:extLst>
+              <a:ext uri="{FF2B5EF4-FFF2-40B4-BE49-F238E27FC236}">
+                <a16:creationId xmlns:a16="http://schemas.microsoft.com/office/drawing/2014/main" id="{0A843E57-FE2A-4BC3-906B-56C9EE4A124B}"/>
+              </a:ext>
+            </a:extLst>
+          </p:cNvPr>
+          <p:cNvSpPr>
+            <a:spLocks noGrp="1"/>
+          </p:cNvSpPr>
+          <p:nvPr>
+            <p:ph type="title"/>
+          </p:nvPr>
+        </p:nvSpPr>
+        <p:spPr/>
+        <p:txBody>
+          <a:bodyPr/>
+          <a:lstStyle/>
+          <a:p>
+            <a:r>
+              <a:rPr lang="en-US" altLang="ko-KR" dirty="0" err="1"/>
+              <a:t>Rstudio</a:t>
+            </a:r>
+            <a:r>
+              <a:rPr lang="en-US" altLang="ko-KR" dirty="0"/>
+              <a:t> 4</a:t>
+            </a:r>
+            <a:r>
+              <a:rPr lang="ko-KR" altLang="en-US" dirty="0"/>
+              <a:t>개 창의 기능</a:t>
+            </a:r>
+          </a:p>
+        </p:txBody>
+      </p:sp>
+      <p:sp>
+        <p:nvSpPr>
+          <p:cNvPr id="3" name="텍스트 개체 틀 2">
+            <a:extLst>
+              <a:ext uri="{FF2B5EF4-FFF2-40B4-BE49-F238E27FC236}">
+                <a16:creationId xmlns:a16="http://schemas.microsoft.com/office/drawing/2014/main" id="{8C305DB3-BAC1-425E-B699-7E39A2C80C48}"/>
+              </a:ext>
+            </a:extLst>
+          </p:cNvPr>
+          <p:cNvSpPr>
+            <a:spLocks noGrp="1"/>
+          </p:cNvSpPr>
+          <p:nvPr>
+            <p:ph type="body" sz="quarter" idx="10"/>
+          </p:nvPr>
+        </p:nvSpPr>
+        <p:spPr/>
+        <p:txBody>
+          <a:bodyPr/>
+          <a:lstStyle/>
+          <a:p>
+            <a:r>
+              <a:rPr lang="en-US" altLang="ko-KR" dirty="0"/>
+              <a:t>01</a:t>
+            </a:r>
+            <a:endParaRPr lang="ko-KR" altLang="en-US" dirty="0"/>
+          </a:p>
+        </p:txBody>
+      </p:sp>
+    </p:spTree>
+    <p:extLst>
+      <p:ext uri="{BB962C8B-B14F-4D97-AF65-F5344CB8AC3E}">
+        <p14:creationId xmlns:p14="http://schemas.microsoft.com/office/powerpoint/2010/main" val="4092293264"/>
+      </p:ext>
+    </p:extLst>
+  </p:cSld>
+  <p:clrMapOvr>
+    <a:masterClrMapping/>
+  </p:clrMapOvr>
+</p:sld>
+</file>
+
+<file path=ppt/slides/slide4.xml><?xml version="1.0" encoding="utf-8"?>
+<p:sld xmlns:a="http://schemas.openxmlformats.org/drawingml/2006/main" xmlns:r="http://schemas.openxmlformats.org/officeDocument/2006/relationships" xmlns:p="http://schemas.openxmlformats.org/presentationml/2006/main">
+  <p:cSld>
+    <p:spTree>
+      <p:nvGrpSpPr>
+        <p:cNvPr id="1" name=""/>
+        <p:cNvGrpSpPr/>
+        <p:nvPr/>
+      </p:nvGrpSpPr>
+      <p:grpSpPr>
+        <a:xfrm>
+          <a:off x="0" y="0"/>
+          <a:ext cx="0" cy="0"/>
+          <a:chOff x="0" y="0"/>
+          <a:chExt cx="0" cy="0"/>
+        </a:xfrm>
+      </p:grpSpPr>
+      <p:sp>
+        <p:nvSpPr>
+          <p:cNvPr id="4" name="제목 3">
+            <a:extLst>
+              <a:ext uri="{FF2B5EF4-FFF2-40B4-BE49-F238E27FC236}">
+                <a16:creationId xmlns:a16="http://schemas.microsoft.com/office/drawing/2014/main" id="{6E3D59F8-9947-4FDF-93B8-A45C33604B03}"/>
+              </a:ext>
+            </a:extLst>
+          </p:cNvPr>
+          <p:cNvSpPr>
+            <a:spLocks noGrp="1"/>
+          </p:cNvSpPr>
+          <p:nvPr>
+            <p:ph type="title"/>
+          </p:nvPr>
+        </p:nvSpPr>
+        <p:spPr/>
+        <p:txBody>
+          <a:bodyPr/>
+          <a:lstStyle/>
+          <a:p>
+            <a:r>
+              <a:rPr lang="en-US" altLang="ko-KR" dirty="0" err="1"/>
+              <a:t>Rstudio</a:t>
+            </a:r>
+            <a:r>
+              <a:rPr lang="ko-KR" altLang="en-US" dirty="0"/>
+              <a:t> </a:t>
+            </a:r>
+            <a:r>
+              <a:rPr lang="en-US" altLang="ko-KR" dirty="0"/>
+              <a:t>4</a:t>
+            </a:r>
+            <a:r>
+              <a:rPr lang="ko-KR" altLang="en-US" dirty="0"/>
+              <a:t>개의 창</a:t>
+            </a:r>
+          </a:p>
+        </p:txBody>
+      </p:sp>
+      <p:sp>
+        <p:nvSpPr>
+          <p:cNvPr id="5" name="텍스트 개체 틀 4">
+            <a:extLst>
+              <a:ext uri="{FF2B5EF4-FFF2-40B4-BE49-F238E27FC236}">
+                <a16:creationId xmlns:a16="http://schemas.microsoft.com/office/drawing/2014/main" id="{29155137-810E-4C56-918F-F733DADE9579}"/>
+              </a:ext>
+            </a:extLst>
+          </p:cNvPr>
+          <p:cNvSpPr>
+            <a:spLocks noGrp="1"/>
+          </p:cNvSpPr>
+          <p:nvPr>
+            <p:ph type="body" sz="quarter" idx="10"/>
+          </p:nvPr>
+        </p:nvSpPr>
+        <p:spPr/>
+        <p:txBody>
+          <a:bodyPr/>
+          <a:lstStyle/>
+          <a:p>
+            <a:r>
+              <a:rPr lang="en-US" altLang="ko-KR" dirty="0"/>
+              <a:t>01</a:t>
+            </a:r>
+            <a:endParaRPr lang="ko-KR" altLang="en-US" dirty="0"/>
+          </a:p>
+        </p:txBody>
+      </p:sp>
+      <p:sp>
+        <p:nvSpPr>
+          <p:cNvPr id="6" name="내용 개체 틀 5">
+            <a:extLst>
+              <a:ext uri="{FF2B5EF4-FFF2-40B4-BE49-F238E27FC236}">
+                <a16:creationId xmlns:a16="http://schemas.microsoft.com/office/drawing/2014/main" id="{8BD0B30E-EC59-4EEC-A345-2712D1D3432F}"/>
+              </a:ext>
+            </a:extLst>
+          </p:cNvPr>
+          <p:cNvSpPr>
+            <a:spLocks noGrp="1"/>
+          </p:cNvSpPr>
+          <p:nvPr>
+            <p:ph sz="quarter" idx="11"/>
+          </p:nvPr>
+        </p:nvSpPr>
+        <p:spPr/>
+        <p:txBody>
+          <a:bodyPr/>
+          <a:lstStyle/>
+          <a:p>
+            <a:r>
+              <a:rPr lang="ko-KR" altLang="en-US" dirty="0"/>
+              <a:t>도구의 사용법</a:t>
+            </a:r>
+          </a:p>
+        </p:txBody>
+      </p:sp>
+      <p:sp>
+        <p:nvSpPr>
+          <p:cNvPr id="9" name="텍스트 개체 틀 8">
+            <a:extLst>
+              <a:ext uri="{FF2B5EF4-FFF2-40B4-BE49-F238E27FC236}">
+                <a16:creationId xmlns:a16="http://schemas.microsoft.com/office/drawing/2014/main" id="{9D0E1BC8-D1E1-4C7D-A8C1-51118DBCB792}"/>
+              </a:ext>
+            </a:extLst>
+          </p:cNvPr>
+          <p:cNvSpPr>
+            <a:spLocks noGrp="1"/>
+          </p:cNvSpPr>
+          <p:nvPr>
+            <p:ph type="body" sz="quarter" idx="12"/>
+          </p:nvPr>
+        </p:nvSpPr>
+        <p:spPr/>
+        <p:txBody>
+          <a:bodyPr/>
+          <a:lstStyle/>
+          <a:p>
+            <a:endParaRPr lang="ko-KR" altLang="en-US"/>
+          </a:p>
+        </p:txBody>
+      </p:sp>
+    </p:spTree>
+    <p:extLst>
+      <p:ext uri="{BB962C8B-B14F-4D97-AF65-F5344CB8AC3E}">
+        <p14:creationId xmlns:p14="http://schemas.microsoft.com/office/powerpoint/2010/main" val="554089520"/>
+      </p:ext>
+    </p:extLst>
+  </p:cSld>
+  <p:clrMapOvr>
+    <a:masterClrMapping/>
+  </p:clrMapOvr>
+</p:sld>
+</file>
+
+<file path=ppt/slides/slide5.xml><?xml version="1.0" encoding="utf-8"?>
+<p:sld xmlns:a="http://schemas.openxmlformats.org/drawingml/2006/main" xmlns:r="http://schemas.openxmlformats.org/officeDocument/2006/relationships" xmlns:p="http://schemas.openxmlformats.org/presentationml/2006/main">
+  <p:cSld>
+    <p:spTree>
+      <p:nvGrpSpPr>
+        <p:cNvPr id="1" name=""/>
+        <p:cNvGrpSpPr/>
+        <p:nvPr/>
+      </p:nvGrpSpPr>
+      <p:grpSpPr>
+        <a:xfrm>
+          <a:off x="0" y="0"/>
+          <a:ext cx="0" cy="0"/>
+          <a:chOff x="0" y="0"/>
+          <a:chExt cx="0" cy="0"/>
+        </a:xfrm>
+      </p:grpSpPr>
+      <p:sp>
+        <p:nvSpPr>
+          <p:cNvPr id="4" name="제목 3">
+            <a:extLst>
+              <a:ext uri="{FF2B5EF4-FFF2-40B4-BE49-F238E27FC236}">
+                <a16:creationId xmlns:a16="http://schemas.microsoft.com/office/drawing/2014/main" id="{6E3D59F8-9947-4FDF-93B8-A45C33604B03}"/>
+              </a:ext>
+            </a:extLst>
+          </p:cNvPr>
+          <p:cNvSpPr>
+            <a:spLocks noGrp="1"/>
+          </p:cNvSpPr>
+          <p:nvPr>
+            <p:ph type="title"/>
+          </p:nvPr>
+        </p:nvSpPr>
+        <p:spPr/>
+        <p:txBody>
+          <a:bodyPr/>
+          <a:lstStyle/>
+          <a:p>
+            <a:r>
+              <a:rPr lang="en-US" altLang="ko-KR" dirty="0" err="1"/>
+              <a:t>Rstudio</a:t>
+            </a:r>
+            <a:r>
+              <a:rPr lang="ko-KR" altLang="en-US" dirty="0"/>
+              <a:t> </a:t>
+            </a:r>
+            <a:r>
+              <a:rPr lang="en-US" altLang="ko-KR" dirty="0"/>
+              <a:t>4</a:t>
+            </a:r>
+            <a:r>
+              <a:rPr lang="ko-KR" altLang="en-US" dirty="0"/>
+              <a:t>개의 창</a:t>
+            </a:r>
+          </a:p>
+        </p:txBody>
+      </p:sp>
+      <p:sp>
+        <p:nvSpPr>
+          <p:cNvPr id="5" name="텍스트 개체 틀 4">
+            <a:extLst>
+              <a:ext uri="{FF2B5EF4-FFF2-40B4-BE49-F238E27FC236}">
+                <a16:creationId xmlns:a16="http://schemas.microsoft.com/office/drawing/2014/main" id="{29155137-810E-4C56-918F-F733DADE9579}"/>
+              </a:ext>
+            </a:extLst>
+          </p:cNvPr>
+          <p:cNvSpPr>
+            <a:spLocks noGrp="1"/>
+          </p:cNvSpPr>
+          <p:nvPr>
+            <p:ph type="body" sz="quarter" idx="10"/>
+          </p:nvPr>
+        </p:nvSpPr>
+        <p:spPr/>
+        <p:txBody>
+          <a:bodyPr/>
+          <a:lstStyle/>
+          <a:p>
+            <a:r>
+              <a:rPr lang="en-US" altLang="ko-KR" dirty="0"/>
+              <a:t>01</a:t>
+            </a:r>
+            <a:endParaRPr lang="ko-KR" altLang="en-US" dirty="0"/>
+          </a:p>
+        </p:txBody>
+      </p:sp>
+      <p:sp>
+        <p:nvSpPr>
+          <p:cNvPr id="6" name="내용 개체 틀 5">
+            <a:extLst>
+              <a:ext uri="{FF2B5EF4-FFF2-40B4-BE49-F238E27FC236}">
+                <a16:creationId xmlns:a16="http://schemas.microsoft.com/office/drawing/2014/main" id="{8BD0B30E-EC59-4EEC-A345-2712D1D3432F}"/>
+              </a:ext>
+            </a:extLst>
+          </p:cNvPr>
+          <p:cNvSpPr>
+            <a:spLocks noGrp="1"/>
+          </p:cNvSpPr>
+          <p:nvPr>
+            <p:ph sz="quarter" idx="11"/>
+          </p:nvPr>
+        </p:nvSpPr>
+        <p:spPr/>
+        <p:txBody>
+          <a:bodyPr/>
+          <a:lstStyle/>
+          <a:p>
+            <a:r>
+              <a:rPr lang="ko-KR" altLang="en-US" dirty="0"/>
+              <a:t>도구의 사용법</a:t>
+            </a:r>
+          </a:p>
+        </p:txBody>
+      </p:sp>
+      <p:sp>
+        <p:nvSpPr>
+          <p:cNvPr id="7" name="텍스트 개체 틀 6">
+            <a:extLst>
+              <a:ext uri="{FF2B5EF4-FFF2-40B4-BE49-F238E27FC236}">
+                <a16:creationId xmlns:a16="http://schemas.microsoft.com/office/drawing/2014/main" id="{76A4E506-5B9D-464B-8B38-011EB8F354C9}"/>
+              </a:ext>
+            </a:extLst>
+          </p:cNvPr>
+          <p:cNvSpPr>
+            <a:spLocks noGrp="1"/>
+          </p:cNvSpPr>
+          <p:nvPr>
+            <p:ph type="body" sz="quarter" idx="12"/>
+          </p:nvPr>
+        </p:nvSpPr>
+        <p:spPr/>
+        <p:txBody>
+          <a:bodyPr/>
+          <a:lstStyle/>
+          <a:p>
+            <a:r>
+              <a:rPr lang="en-US" altLang="ko-KR" dirty="0"/>
+              <a:t>Script </a:t>
+            </a:r>
+            <a:r>
+              <a:rPr lang="ko-KR" altLang="en-US" dirty="0"/>
+              <a:t>창 </a:t>
+            </a:r>
+            <a:r>
+              <a:rPr lang="en-US" altLang="ko-KR" dirty="0"/>
+              <a:t>(</a:t>
+            </a:r>
+            <a:r>
+              <a:rPr lang="ko-KR" altLang="en-US" dirty="0"/>
+              <a:t>좋은 메모장</a:t>
+            </a:r>
+            <a:r>
+              <a:rPr lang="en-US" altLang="ko-KR" dirty="0"/>
+              <a:t>)</a:t>
+            </a:r>
+            <a:endParaRPr lang="ko-KR" altLang="en-US" dirty="0"/>
+          </a:p>
+        </p:txBody>
+      </p:sp>
+      <p:sp>
+        <p:nvSpPr>
+          <p:cNvPr id="8" name="내용 개체 틀 7">
+            <a:extLst>
+              <a:ext uri="{FF2B5EF4-FFF2-40B4-BE49-F238E27FC236}">
+                <a16:creationId xmlns:a16="http://schemas.microsoft.com/office/drawing/2014/main" id="{C299FBD3-DB39-4B72-B387-ABB1EDB2C66D}"/>
+              </a:ext>
+            </a:extLst>
+          </p:cNvPr>
+          <p:cNvSpPr>
+            <a:spLocks noGrp="1"/>
+          </p:cNvSpPr>
+          <p:nvPr>
+            <p:ph sz="quarter" idx="13"/>
+          </p:nvPr>
+        </p:nvSpPr>
+        <p:spPr/>
+        <p:txBody>
+          <a:bodyPr/>
+          <a:lstStyle/>
+          <a:p>
+            <a:endParaRPr lang="ko-KR" altLang="en-US"/>
+          </a:p>
+        </p:txBody>
+      </p:sp>
+    </p:spTree>
+    <p:extLst>
+      <p:ext uri="{BB962C8B-B14F-4D97-AF65-F5344CB8AC3E}">
+        <p14:creationId xmlns:p14="http://schemas.microsoft.com/office/powerpoint/2010/main" val="2705370139"/>
+      </p:ext>
+    </p:extLst>
+  </p:cSld>
+  <p:clrMapOvr>
+    <a:masterClrMapping/>
+  </p:clrMapOvr>
+</p:sld>
+</file>
+
+<file path=ppt/slides/slide6.xml><?xml version="1.0" encoding="utf-8"?>
+<p:sld xmlns:a="http://schemas.openxmlformats.org/drawingml/2006/main" xmlns:r="http://schemas.openxmlformats.org/officeDocument/2006/relationships" xmlns:p="http://schemas.openxmlformats.org/presentationml/2006/main">
+  <p:cSld>
+    <p:spTree>
+      <p:nvGrpSpPr>
+        <p:cNvPr id="1" name=""/>
+        <p:cNvGrpSpPr/>
+        <p:nvPr/>
+      </p:nvGrpSpPr>
+      <p:grpSpPr>
+        <a:xfrm>
+          <a:off x="0" y="0"/>
+          <a:ext cx="0" cy="0"/>
+          <a:chOff x="0" y="0"/>
+          <a:chExt cx="0" cy="0"/>
+        </a:xfrm>
+      </p:grpSpPr>
+      <p:sp>
+        <p:nvSpPr>
+          <p:cNvPr id="4" name="제목 3">
+            <a:extLst>
+              <a:ext uri="{FF2B5EF4-FFF2-40B4-BE49-F238E27FC236}">
+                <a16:creationId xmlns:a16="http://schemas.microsoft.com/office/drawing/2014/main" id="{6E3D59F8-9947-4FDF-93B8-A45C33604B03}"/>
+              </a:ext>
+            </a:extLst>
+          </p:cNvPr>
+          <p:cNvSpPr>
+            <a:spLocks noGrp="1"/>
+          </p:cNvSpPr>
+          <p:nvPr>
+            <p:ph type="title"/>
+          </p:nvPr>
+        </p:nvSpPr>
+        <p:spPr/>
+        <p:txBody>
+          <a:bodyPr/>
+          <a:lstStyle/>
+          <a:p>
+            <a:r>
+              <a:rPr lang="en-US" altLang="ko-KR" dirty="0" err="1"/>
+              <a:t>Rstudio</a:t>
+            </a:r>
+            <a:r>
+              <a:rPr lang="ko-KR" altLang="en-US" dirty="0"/>
+              <a:t> </a:t>
+            </a:r>
+            <a:r>
+              <a:rPr lang="en-US" altLang="ko-KR" dirty="0"/>
+              <a:t>4</a:t>
+            </a:r>
+            <a:r>
+              <a:rPr lang="ko-KR" altLang="en-US" dirty="0"/>
+              <a:t>개의 창</a:t>
+            </a:r>
+          </a:p>
+        </p:txBody>
+      </p:sp>
+      <p:sp>
+        <p:nvSpPr>
+          <p:cNvPr id="5" name="텍스트 개체 틀 4">
+            <a:extLst>
+              <a:ext uri="{FF2B5EF4-FFF2-40B4-BE49-F238E27FC236}">
+                <a16:creationId xmlns:a16="http://schemas.microsoft.com/office/drawing/2014/main" id="{29155137-810E-4C56-918F-F733DADE9579}"/>
+              </a:ext>
+            </a:extLst>
+          </p:cNvPr>
+          <p:cNvSpPr>
+            <a:spLocks noGrp="1"/>
+          </p:cNvSpPr>
+          <p:nvPr>
+            <p:ph type="body" sz="quarter" idx="10"/>
+          </p:nvPr>
+        </p:nvSpPr>
+        <p:spPr/>
+        <p:txBody>
+          <a:bodyPr/>
+          <a:lstStyle/>
+          <a:p>
+            <a:r>
+              <a:rPr lang="en-US" altLang="ko-KR" dirty="0"/>
+              <a:t>01</a:t>
+            </a:r>
+            <a:endParaRPr lang="ko-KR" altLang="en-US" dirty="0"/>
+          </a:p>
+        </p:txBody>
+      </p:sp>
+      <p:sp>
+        <p:nvSpPr>
+          <p:cNvPr id="6" name="내용 개체 틀 5">
+            <a:extLst>
+              <a:ext uri="{FF2B5EF4-FFF2-40B4-BE49-F238E27FC236}">
+                <a16:creationId xmlns:a16="http://schemas.microsoft.com/office/drawing/2014/main" id="{8BD0B30E-EC59-4EEC-A345-2712D1D3432F}"/>
+              </a:ext>
+            </a:extLst>
+          </p:cNvPr>
+          <p:cNvSpPr>
+            <a:spLocks noGrp="1"/>
+          </p:cNvSpPr>
+          <p:nvPr>
+            <p:ph sz="quarter" idx="11"/>
+          </p:nvPr>
+        </p:nvSpPr>
+        <p:spPr/>
+        <p:txBody>
+          <a:bodyPr/>
+          <a:lstStyle/>
+          <a:p>
+            <a:r>
+              <a:rPr lang="ko-KR" altLang="en-US" dirty="0"/>
+              <a:t>도구의 사용법</a:t>
+            </a:r>
+          </a:p>
+        </p:txBody>
+      </p:sp>
+      <p:sp>
+        <p:nvSpPr>
+          <p:cNvPr id="7" name="텍스트 개체 틀 6">
+            <a:extLst>
+              <a:ext uri="{FF2B5EF4-FFF2-40B4-BE49-F238E27FC236}">
+                <a16:creationId xmlns:a16="http://schemas.microsoft.com/office/drawing/2014/main" id="{76A4E506-5B9D-464B-8B38-011EB8F354C9}"/>
+              </a:ext>
+            </a:extLst>
+          </p:cNvPr>
+          <p:cNvSpPr>
+            <a:spLocks noGrp="1"/>
+          </p:cNvSpPr>
+          <p:nvPr>
+            <p:ph type="body" sz="quarter" idx="12"/>
+          </p:nvPr>
+        </p:nvSpPr>
+        <p:spPr/>
+        <p:txBody>
+          <a:bodyPr/>
+          <a:lstStyle/>
+          <a:p>
+            <a:r>
+              <a:rPr lang="en-US" altLang="ko-KR" dirty="0"/>
+              <a:t>Console </a:t>
+            </a:r>
+            <a:r>
+              <a:rPr lang="ko-KR" altLang="en-US" dirty="0"/>
+              <a:t>창 </a:t>
+            </a:r>
+            <a:r>
+              <a:rPr lang="en-US" altLang="ko-KR" dirty="0"/>
+              <a:t>(</a:t>
+            </a:r>
+            <a:r>
+              <a:rPr lang="ko-KR" altLang="en-US" dirty="0"/>
+              <a:t>컴퓨터와 대화의 공간</a:t>
+            </a:r>
+            <a:r>
+              <a:rPr lang="en-US" altLang="ko-KR" dirty="0"/>
+              <a:t>)</a:t>
+            </a:r>
+            <a:endParaRPr lang="ko-KR" altLang="en-US" dirty="0"/>
+          </a:p>
+        </p:txBody>
+      </p:sp>
+      <p:sp>
+        <p:nvSpPr>
+          <p:cNvPr id="8" name="내용 개체 틀 7">
+            <a:extLst>
+              <a:ext uri="{FF2B5EF4-FFF2-40B4-BE49-F238E27FC236}">
+                <a16:creationId xmlns:a16="http://schemas.microsoft.com/office/drawing/2014/main" id="{C299FBD3-DB39-4B72-B387-ABB1EDB2C66D}"/>
+              </a:ext>
+            </a:extLst>
+          </p:cNvPr>
+          <p:cNvSpPr>
+            <a:spLocks noGrp="1"/>
+          </p:cNvSpPr>
+          <p:nvPr>
+            <p:ph sz="quarter" idx="13"/>
+          </p:nvPr>
+        </p:nvSpPr>
+        <p:spPr/>
+        <p:txBody>
+          <a:bodyPr/>
+          <a:lstStyle/>
+          <a:p>
+            <a:endParaRPr lang="ko-KR" altLang="en-US"/>
+          </a:p>
+        </p:txBody>
+      </p:sp>
+    </p:spTree>
+    <p:extLst>
+      <p:ext uri="{BB962C8B-B14F-4D97-AF65-F5344CB8AC3E}">
+        <p14:creationId xmlns:p14="http://schemas.microsoft.com/office/powerpoint/2010/main" val="2769966174"/>
+      </p:ext>
+    </p:extLst>
+  </p:cSld>
+  <p:clrMapOvr>
+    <a:masterClrMapping/>
+  </p:clrMapOvr>
+</p:sld>
+</file>
+
+<file path=ppt/slides/slide7.xml><?xml version="1.0" encoding="utf-8"?>
+<p:sld xmlns:a="http://schemas.openxmlformats.org/drawingml/2006/main" xmlns:r="http://schemas.openxmlformats.org/officeDocument/2006/relationships" xmlns:p="http://schemas.openxmlformats.org/presentationml/2006/main">
+  <p:cSld>
+    <p:spTree>
+      <p:nvGrpSpPr>
+        <p:cNvPr id="1" name=""/>
+        <p:cNvGrpSpPr/>
+        <p:nvPr/>
+      </p:nvGrpSpPr>
+      <p:grpSpPr>
+        <a:xfrm>
+          <a:off x="0" y="0"/>
+          <a:ext cx="0" cy="0"/>
+          <a:chOff x="0" y="0"/>
+          <a:chExt cx="0" cy="0"/>
+        </a:xfrm>
+      </p:grpSpPr>
+      <p:sp>
+        <p:nvSpPr>
+          <p:cNvPr id="4" name="제목 3">
+            <a:extLst>
+              <a:ext uri="{FF2B5EF4-FFF2-40B4-BE49-F238E27FC236}">
+                <a16:creationId xmlns:a16="http://schemas.microsoft.com/office/drawing/2014/main" id="{6E3D59F8-9947-4FDF-93B8-A45C33604B03}"/>
+              </a:ext>
+            </a:extLst>
+          </p:cNvPr>
+          <p:cNvSpPr>
+            <a:spLocks noGrp="1"/>
+          </p:cNvSpPr>
+          <p:nvPr>
+            <p:ph type="title"/>
+          </p:nvPr>
+        </p:nvSpPr>
+        <p:spPr/>
+        <p:txBody>
+          <a:bodyPr/>
+          <a:lstStyle/>
+          <a:p>
+            <a:r>
+              <a:rPr lang="en-US" altLang="ko-KR" dirty="0" err="1"/>
+              <a:t>Rstudio</a:t>
+            </a:r>
+            <a:r>
+              <a:rPr lang="ko-KR" altLang="en-US" dirty="0"/>
+              <a:t> </a:t>
+            </a:r>
+            <a:r>
+              <a:rPr lang="en-US" altLang="ko-KR" dirty="0"/>
+              <a:t>4</a:t>
+            </a:r>
+            <a:r>
+              <a:rPr lang="ko-KR" altLang="en-US" dirty="0"/>
+              <a:t>개의 창</a:t>
+            </a:r>
+          </a:p>
+        </p:txBody>
+      </p:sp>
+      <p:sp>
+        <p:nvSpPr>
+          <p:cNvPr id="5" name="텍스트 개체 틀 4">
+            <a:extLst>
+              <a:ext uri="{FF2B5EF4-FFF2-40B4-BE49-F238E27FC236}">
+                <a16:creationId xmlns:a16="http://schemas.microsoft.com/office/drawing/2014/main" id="{29155137-810E-4C56-918F-F733DADE9579}"/>
+              </a:ext>
+            </a:extLst>
+          </p:cNvPr>
+          <p:cNvSpPr>
+            <a:spLocks noGrp="1"/>
+          </p:cNvSpPr>
+          <p:nvPr>
+            <p:ph type="body" sz="quarter" idx="10"/>
+          </p:nvPr>
+        </p:nvSpPr>
+        <p:spPr/>
+        <p:txBody>
+          <a:bodyPr/>
+          <a:lstStyle/>
+          <a:p>
+            <a:r>
+              <a:rPr lang="en-US" altLang="ko-KR" dirty="0"/>
+              <a:t>01</a:t>
+            </a:r>
+            <a:endParaRPr lang="ko-KR" altLang="en-US" dirty="0"/>
+          </a:p>
+        </p:txBody>
+      </p:sp>
+      <p:sp>
+        <p:nvSpPr>
+          <p:cNvPr id="6" name="내용 개체 틀 5">
+            <a:extLst>
+              <a:ext uri="{FF2B5EF4-FFF2-40B4-BE49-F238E27FC236}">
+                <a16:creationId xmlns:a16="http://schemas.microsoft.com/office/drawing/2014/main" id="{8BD0B30E-EC59-4EEC-A345-2712D1D3432F}"/>
+              </a:ext>
+            </a:extLst>
+          </p:cNvPr>
+          <p:cNvSpPr>
+            <a:spLocks noGrp="1"/>
+          </p:cNvSpPr>
+          <p:nvPr>
+            <p:ph sz="quarter" idx="11"/>
+          </p:nvPr>
+        </p:nvSpPr>
+        <p:spPr/>
+        <p:txBody>
+          <a:bodyPr/>
+          <a:lstStyle/>
+          <a:p>
+            <a:r>
+              <a:rPr lang="ko-KR" altLang="en-US" dirty="0"/>
+              <a:t>도구의 사용법</a:t>
+            </a:r>
+          </a:p>
+        </p:txBody>
+      </p:sp>
+      <p:sp>
+        <p:nvSpPr>
+          <p:cNvPr id="7" name="텍스트 개체 틀 6">
+            <a:extLst>
+              <a:ext uri="{FF2B5EF4-FFF2-40B4-BE49-F238E27FC236}">
+                <a16:creationId xmlns:a16="http://schemas.microsoft.com/office/drawing/2014/main" id="{76A4E506-5B9D-464B-8B38-011EB8F354C9}"/>
+              </a:ext>
+            </a:extLst>
+          </p:cNvPr>
+          <p:cNvSpPr>
+            <a:spLocks noGrp="1"/>
+          </p:cNvSpPr>
+          <p:nvPr>
+            <p:ph type="body" sz="quarter" idx="12"/>
+          </p:nvPr>
+        </p:nvSpPr>
+        <p:spPr/>
+        <p:txBody>
+          <a:bodyPr/>
+          <a:lstStyle/>
+          <a:p>
+            <a:r>
+              <a:rPr lang="ko-KR" altLang="en-US" dirty="0"/>
+              <a:t>환경기반 편의 창 </a:t>
+            </a:r>
+            <a:r>
+              <a:rPr lang="en-US" altLang="ko-KR" dirty="0"/>
+              <a:t>(</a:t>
+            </a:r>
+            <a:r>
+              <a:rPr lang="ko-KR" altLang="en-US" dirty="0"/>
+              <a:t>대화 도우미</a:t>
+            </a:r>
+            <a:r>
+              <a:rPr lang="en-US" altLang="ko-KR" dirty="0"/>
+              <a:t>)</a:t>
+            </a:r>
+            <a:endParaRPr lang="ko-KR" altLang="en-US" dirty="0"/>
+          </a:p>
+        </p:txBody>
+      </p:sp>
+      <p:sp>
+        <p:nvSpPr>
+          <p:cNvPr id="8" name="내용 개체 틀 7">
+            <a:extLst>
+              <a:ext uri="{FF2B5EF4-FFF2-40B4-BE49-F238E27FC236}">
+                <a16:creationId xmlns:a16="http://schemas.microsoft.com/office/drawing/2014/main" id="{C299FBD3-DB39-4B72-B387-ABB1EDB2C66D}"/>
+              </a:ext>
+            </a:extLst>
+          </p:cNvPr>
+          <p:cNvSpPr>
+            <a:spLocks noGrp="1"/>
+          </p:cNvSpPr>
+          <p:nvPr>
+            <p:ph sz="quarter" idx="13"/>
+          </p:nvPr>
+        </p:nvSpPr>
+        <p:spPr/>
+        <p:txBody>
+          <a:bodyPr/>
+          <a:lstStyle/>
+          <a:p>
+            <a:endParaRPr lang="ko-KR" altLang="en-US"/>
+          </a:p>
+        </p:txBody>
+      </p:sp>
+    </p:spTree>
+    <p:extLst>
+      <p:ext uri="{BB962C8B-B14F-4D97-AF65-F5344CB8AC3E}">
+        <p14:creationId xmlns:p14="http://schemas.microsoft.com/office/powerpoint/2010/main" val="1520199896"/>
+      </p:ext>
+    </p:extLst>
+  </p:cSld>
+  <p:clrMapOvr>
+    <a:masterClrMapping/>
+  </p:clrMapOvr>
+</p:sld>
+</file>
+
+<file path=ppt/slides/slide8.xml><?xml version="1.0" encoding="utf-8"?>
+<p:sld xmlns:a="http://schemas.openxmlformats.org/drawingml/2006/main" xmlns:r="http://schemas.openxmlformats.org/officeDocument/2006/relationships" xmlns:p="http://schemas.openxmlformats.org/presentationml/2006/main">
+  <p:cSld>
+    <p:spTree>
+      <p:nvGrpSpPr>
+        <p:cNvPr id="1" name=""/>
+        <p:cNvGrpSpPr/>
+        <p:nvPr/>
+      </p:nvGrpSpPr>
+      <p:grpSpPr>
+        <a:xfrm>
+          <a:off x="0" y="0"/>
+          <a:ext cx="0" cy="0"/>
+          <a:chOff x="0" y="0"/>
+          <a:chExt cx="0" cy="0"/>
+        </a:xfrm>
+      </p:grpSpPr>
+      <p:sp>
+        <p:nvSpPr>
+          <p:cNvPr id="4" name="제목 3">
+            <a:extLst>
+              <a:ext uri="{FF2B5EF4-FFF2-40B4-BE49-F238E27FC236}">
+                <a16:creationId xmlns:a16="http://schemas.microsoft.com/office/drawing/2014/main" id="{6E3D59F8-9947-4FDF-93B8-A45C33604B03}"/>
+              </a:ext>
+            </a:extLst>
+          </p:cNvPr>
+          <p:cNvSpPr>
+            <a:spLocks noGrp="1"/>
+          </p:cNvSpPr>
+          <p:nvPr>
+            <p:ph type="title"/>
+          </p:nvPr>
+        </p:nvSpPr>
+        <p:spPr/>
+        <p:txBody>
+          <a:bodyPr/>
+          <a:lstStyle/>
+          <a:p>
+            <a:r>
+              <a:rPr lang="en-US" altLang="ko-KR" dirty="0" err="1"/>
+              <a:t>Rstudio</a:t>
+            </a:r>
+            <a:r>
+              <a:rPr lang="ko-KR" altLang="en-US" dirty="0"/>
+              <a:t> </a:t>
+            </a:r>
+            <a:r>
+              <a:rPr lang="en-US" altLang="ko-KR" dirty="0"/>
+              <a:t>4</a:t>
+            </a:r>
+            <a:r>
+              <a:rPr lang="ko-KR" altLang="en-US" dirty="0"/>
+              <a:t>개의 창</a:t>
+            </a:r>
+          </a:p>
+        </p:txBody>
+      </p:sp>
+      <p:sp>
+        <p:nvSpPr>
+          <p:cNvPr id="5" name="텍스트 개체 틀 4">
+            <a:extLst>
+              <a:ext uri="{FF2B5EF4-FFF2-40B4-BE49-F238E27FC236}">
+                <a16:creationId xmlns:a16="http://schemas.microsoft.com/office/drawing/2014/main" id="{29155137-810E-4C56-918F-F733DADE9579}"/>
+              </a:ext>
+            </a:extLst>
+          </p:cNvPr>
+          <p:cNvSpPr>
+            <a:spLocks noGrp="1"/>
+          </p:cNvSpPr>
+          <p:nvPr>
+            <p:ph type="body" sz="quarter" idx="10"/>
+          </p:nvPr>
+        </p:nvSpPr>
+        <p:spPr/>
+        <p:txBody>
+          <a:bodyPr/>
+          <a:lstStyle/>
+          <a:p>
+            <a:r>
+              <a:rPr lang="en-US" altLang="ko-KR" dirty="0"/>
+              <a:t>01</a:t>
+            </a:r>
+            <a:endParaRPr lang="ko-KR" altLang="en-US" dirty="0"/>
+          </a:p>
+        </p:txBody>
+      </p:sp>
+      <p:sp>
+        <p:nvSpPr>
+          <p:cNvPr id="6" name="내용 개체 틀 5">
+            <a:extLst>
+              <a:ext uri="{FF2B5EF4-FFF2-40B4-BE49-F238E27FC236}">
+                <a16:creationId xmlns:a16="http://schemas.microsoft.com/office/drawing/2014/main" id="{8BD0B30E-EC59-4EEC-A345-2712D1D3432F}"/>
+              </a:ext>
+            </a:extLst>
+          </p:cNvPr>
+          <p:cNvSpPr>
+            <a:spLocks noGrp="1"/>
+          </p:cNvSpPr>
+          <p:nvPr>
+            <p:ph sz="quarter" idx="11"/>
+          </p:nvPr>
+        </p:nvSpPr>
+        <p:spPr/>
+        <p:txBody>
+          <a:bodyPr/>
+          <a:lstStyle/>
+          <a:p>
+            <a:r>
+              <a:rPr lang="ko-KR" altLang="en-US" dirty="0"/>
+              <a:t>도구의 사용법</a:t>
+            </a:r>
+          </a:p>
+        </p:txBody>
+      </p:sp>
+      <p:sp>
+        <p:nvSpPr>
+          <p:cNvPr id="7" name="텍스트 개체 틀 6">
+            <a:extLst>
+              <a:ext uri="{FF2B5EF4-FFF2-40B4-BE49-F238E27FC236}">
+                <a16:creationId xmlns:a16="http://schemas.microsoft.com/office/drawing/2014/main" id="{76A4E506-5B9D-464B-8B38-011EB8F354C9}"/>
+              </a:ext>
+            </a:extLst>
+          </p:cNvPr>
+          <p:cNvSpPr>
+            <a:spLocks noGrp="1"/>
+          </p:cNvSpPr>
+          <p:nvPr>
+            <p:ph type="body" sz="quarter" idx="12"/>
+          </p:nvPr>
+        </p:nvSpPr>
+        <p:spPr/>
+        <p:txBody>
+          <a:bodyPr/>
+          <a:lstStyle/>
+          <a:p>
+            <a:r>
+              <a:rPr lang="ko-KR" altLang="en-US" dirty="0"/>
+              <a:t>기타 창 </a:t>
+            </a:r>
+            <a:r>
+              <a:rPr lang="en-US" altLang="ko-KR" dirty="0"/>
+              <a:t>(</a:t>
+            </a:r>
+            <a:r>
+              <a:rPr lang="ko-KR" altLang="en-US" dirty="0"/>
+              <a:t>나머지 기능 전부</a:t>
+            </a:r>
+            <a:r>
+              <a:rPr lang="en-US" altLang="ko-KR" dirty="0"/>
+              <a:t>)</a:t>
+            </a:r>
+            <a:endParaRPr lang="ko-KR" altLang="en-US" dirty="0"/>
+          </a:p>
+        </p:txBody>
+      </p:sp>
+      <p:sp>
+        <p:nvSpPr>
+          <p:cNvPr id="8" name="내용 개체 틀 7">
+            <a:extLst>
+              <a:ext uri="{FF2B5EF4-FFF2-40B4-BE49-F238E27FC236}">
+                <a16:creationId xmlns:a16="http://schemas.microsoft.com/office/drawing/2014/main" id="{C299FBD3-DB39-4B72-B387-ABB1EDB2C66D}"/>
+              </a:ext>
+            </a:extLst>
+          </p:cNvPr>
+          <p:cNvSpPr>
+            <a:spLocks noGrp="1"/>
+          </p:cNvSpPr>
+          <p:nvPr>
+            <p:ph sz="quarter" idx="13"/>
+          </p:nvPr>
+        </p:nvSpPr>
+        <p:spPr/>
+        <p:txBody>
+          <a:bodyPr/>
+          <a:lstStyle/>
+          <a:p>
+            <a:endParaRPr lang="ko-KR" altLang="en-US"/>
+          </a:p>
+        </p:txBody>
+      </p:sp>
+    </p:spTree>
+    <p:extLst>
+      <p:ext uri="{BB962C8B-B14F-4D97-AF65-F5344CB8AC3E}">
+        <p14:creationId xmlns:p14="http://schemas.microsoft.com/office/powerpoint/2010/main" val="1770511134"/>
+      </p:ext>
+    </p:extLst>
+  </p:cSld>
+  <p:clrMapOvr>
+    <a:masterClrMapping/>
+  </p:clrMapOvr>
+</p:sld>
+</file>
+
+<file path=ppt/slides/slide9.xml><?xml version="1.0" encoding="utf-8"?>
+<p:sld xmlns:a="http://schemas.openxmlformats.org/drawingml/2006/main" xmlns:r="http://schemas.openxmlformats.org/officeDocument/2006/relationships" xmlns:p="http://schemas.openxmlformats.org/presentationml/2006/main">
+  <p:cSld>
+    <p:spTree>
+      <p:nvGrpSpPr>
+        <p:cNvPr id="1" name=""/>
+        <p:cNvGrpSpPr/>
+        <p:nvPr/>
+      </p:nvGrpSpPr>
+      <p:grpSpPr>
+        <a:xfrm>
+          <a:off x="0" y="0"/>
+          <a:ext cx="0" cy="0"/>
+          <a:chOff x="0" y="0"/>
+          <a:chExt cx="0" cy="0"/>
+        </a:xfrm>
+      </p:grpSpPr>
+      <p:sp>
+        <p:nvSpPr>
+          <p:cNvPr id="2" name="텍스트 개체 틀 1"/>
           <p:cNvSpPr>
             <a:spLocks noGrp="1"/>
           </p:cNvSpPr>
@@ -7091,15 +8217,14 @@
           <a:lstStyle/>
           <a:p>
             <a:r>
-              <a:rPr/>
               <a:t>01</a:t>
             </a:r>
           </a:p>
         </p:txBody>
       </p:sp>
-      <p:sp xmlns:a="http://schemas.openxmlformats.org/drawingml/2006/main" xmlns:r="http://schemas.openxmlformats.org/officeDocument/2006/relationships" xmlns:p="http://schemas.openxmlformats.org/presentationml/2006/main">
-        <p:nvSpPr>
-          <p:cNvPr id="3" name=""/>
+      <p:sp>
+        <p:nvSpPr>
+          <p:cNvPr id="3" name="내용 개체 틀 2"/>
           <p:cNvSpPr>
             <a:spLocks noGrp="1"/>
           </p:cNvSpPr>
@@ -7118,15 +8243,14 @@
           <a:lstStyle/>
           <a:p>
             <a:r>
-              <a:rPr/>
               <a:t>도구의 사용법</a:t>
             </a:r>
           </a:p>
         </p:txBody>
       </p:sp>
-      <p:sp xmlns:a="http://schemas.openxmlformats.org/drawingml/2006/main" xmlns:r="http://schemas.openxmlformats.org/officeDocument/2006/relationships" xmlns:p="http://schemas.openxmlformats.org/presentationml/2006/main">
-        <p:nvSpPr>
-          <p:cNvPr id="4" name=""/>
+      <p:sp>
+        <p:nvSpPr>
+          <p:cNvPr id="4" name="제목 3"/>
           <p:cNvSpPr>
             <a:spLocks noGrp="1"/>
           </p:cNvSpPr>
@@ -7145,7 +8269,6 @@
           <a:lstStyle/>
           <a:p>
             <a:r>
-              <a:rPr/>
               <a:t>끝</a:t>
             </a:r>
           </a:p>

--- a/slide/chapter01_02.pptx
+++ b/slide/chapter01_02.pptx
@@ -7361,31 +7361,35 @@
           </a:p>
         </p:txBody>
       </p:sp>
-      <p:sp>
-        <p:nvSpPr>
-          <p:cNvPr id="9" name="텍스트 개체 틀 8">
-            <a:extLst>
-              <a:ext uri="{FF2B5EF4-FFF2-40B4-BE49-F238E27FC236}">
-                <a16:creationId xmlns:a16="http://schemas.microsoft.com/office/drawing/2014/main" id="{9D0E1BC8-D1E1-4C7D-A8C1-51118DBCB792}"/>
-              </a:ext>
-            </a:extLst>
-          </p:cNvPr>
-          <p:cNvSpPr>
-            <a:spLocks noGrp="1"/>
-          </p:cNvSpPr>
-          <p:nvPr>
-            <p:ph type="body" sz="quarter" idx="12"/>
-          </p:nvPr>
-        </p:nvSpPr>
-        <p:spPr/>
-        <p:txBody>
-          <a:bodyPr/>
-          <a:lstStyle/>
-          <a:p>
-            <a:endParaRPr lang="ko-KR" altLang="en-US"/>
-          </a:p>
-        </p:txBody>
-      </p:sp>
+      <p:pic>
+        <p:nvPicPr>
+          <p:cNvPr id="3" name="그림 2">
+            <a:extLst>
+              <a:ext uri="{FF2B5EF4-FFF2-40B4-BE49-F238E27FC236}">
+                <a16:creationId xmlns:a16="http://schemas.microsoft.com/office/drawing/2014/main" id="{C825E071-0A6A-4F64-ABEC-DD8A673D0C99}"/>
+              </a:ext>
+            </a:extLst>
+          </p:cNvPr>
+          <p:cNvPicPr>
+            <a:picLocks noChangeAspect="1"/>
+          </p:cNvPicPr>
+          <p:nvPr/>
+        </p:nvPicPr>
+        <p:blipFill rotWithShape="1">
+          <a:blip r:embed="rId2"/>
+          <a:srcRect b="3590"/>
+          <a:stretch/>
+        </p:blipFill>
+        <p:spPr>
+          <a:xfrm>
+            <a:off x="1150327" y="1001477"/>
+            <a:ext cx="9891346" cy="5364153"/>
+          </a:xfrm>
+          <a:prstGeom prst="rect">
+            <a:avLst/>
+          </a:prstGeom>
+        </p:spPr>
+      </p:pic>
     </p:spTree>
     <p:extLst>
       <p:ext uri="{BB962C8B-B14F-4D97-AF65-F5344CB8AC3E}">
@@ -7558,31 +7562,35 @@
           </a:p>
         </p:txBody>
       </p:sp>
-      <p:sp>
-        <p:nvSpPr>
-          <p:cNvPr id="8" name="내용 개체 틀 7">
-            <a:extLst>
-              <a:ext uri="{FF2B5EF4-FFF2-40B4-BE49-F238E27FC236}">
-                <a16:creationId xmlns:a16="http://schemas.microsoft.com/office/drawing/2014/main" id="{C299FBD3-DB39-4B72-B387-ABB1EDB2C66D}"/>
-              </a:ext>
-            </a:extLst>
-          </p:cNvPr>
-          <p:cNvSpPr>
-            <a:spLocks noGrp="1"/>
-          </p:cNvSpPr>
-          <p:nvPr>
-            <p:ph sz="quarter" idx="13"/>
-          </p:nvPr>
-        </p:nvSpPr>
-        <p:spPr/>
-        <p:txBody>
-          <a:bodyPr/>
-          <a:lstStyle/>
-          <a:p>
-            <a:endParaRPr lang="ko-KR" altLang="en-US"/>
-          </a:p>
-        </p:txBody>
-      </p:sp>
+      <p:pic>
+        <p:nvPicPr>
+          <p:cNvPr id="10" name="그림 9">
+            <a:extLst>
+              <a:ext uri="{FF2B5EF4-FFF2-40B4-BE49-F238E27FC236}">
+                <a16:creationId xmlns:a16="http://schemas.microsoft.com/office/drawing/2014/main" id="{F3E0D905-BAC0-4424-BA87-56F41387C9E2}"/>
+              </a:ext>
+            </a:extLst>
+          </p:cNvPr>
+          <p:cNvPicPr>
+            <a:picLocks noChangeAspect="1"/>
+          </p:cNvPicPr>
+          <p:nvPr/>
+        </p:nvPicPr>
+        <p:blipFill rotWithShape="1">
+          <a:blip r:embed="rId2"/>
+          <a:srcRect r="36671" b="60230"/>
+          <a:stretch/>
+        </p:blipFill>
+        <p:spPr>
+          <a:xfrm>
+            <a:off x="1129369" y="1889563"/>
+            <a:ext cx="9933262" cy="3508914"/>
+          </a:xfrm>
+          <a:prstGeom prst="rect">
+            <a:avLst/>
+          </a:prstGeom>
+        </p:spPr>
+      </p:pic>
     </p:spTree>
     <p:extLst>
       <p:ext uri="{BB962C8B-B14F-4D97-AF65-F5344CB8AC3E}">
@@ -7755,31 +7763,35 @@
           </a:p>
         </p:txBody>
       </p:sp>
-      <p:sp>
-        <p:nvSpPr>
-          <p:cNvPr id="8" name="내용 개체 틀 7">
-            <a:extLst>
-              <a:ext uri="{FF2B5EF4-FFF2-40B4-BE49-F238E27FC236}">
-                <a16:creationId xmlns:a16="http://schemas.microsoft.com/office/drawing/2014/main" id="{C299FBD3-DB39-4B72-B387-ABB1EDB2C66D}"/>
-              </a:ext>
-            </a:extLst>
-          </p:cNvPr>
-          <p:cNvSpPr>
-            <a:spLocks noGrp="1"/>
-          </p:cNvSpPr>
-          <p:nvPr>
-            <p:ph sz="quarter" idx="13"/>
-          </p:nvPr>
-        </p:nvSpPr>
-        <p:spPr/>
-        <p:txBody>
-          <a:bodyPr/>
-          <a:lstStyle/>
-          <a:p>
-            <a:endParaRPr lang="ko-KR" altLang="en-US"/>
-          </a:p>
-        </p:txBody>
-      </p:sp>
+      <p:pic>
+        <p:nvPicPr>
+          <p:cNvPr id="9" name="그림 8">
+            <a:extLst>
+              <a:ext uri="{FF2B5EF4-FFF2-40B4-BE49-F238E27FC236}">
+                <a16:creationId xmlns:a16="http://schemas.microsoft.com/office/drawing/2014/main" id="{286B8B8B-0830-4B67-923D-79962D41247A}"/>
+              </a:ext>
+            </a:extLst>
+          </p:cNvPr>
+          <p:cNvPicPr>
+            <a:picLocks noChangeAspect="1"/>
+          </p:cNvPicPr>
+          <p:nvPr/>
+        </p:nvPicPr>
+        <p:blipFill rotWithShape="1">
+          <a:blip r:embed="rId2"/>
+          <a:srcRect t="35728" r="37141" b="3591"/>
+          <a:stretch/>
+        </p:blipFill>
+        <p:spPr>
+          <a:xfrm>
+            <a:off x="1581150" y="1757678"/>
+            <a:ext cx="8072804" cy="4383628"/>
+          </a:xfrm>
+          <a:prstGeom prst="rect">
+            <a:avLst/>
+          </a:prstGeom>
+        </p:spPr>
+      </p:pic>
     </p:spTree>
     <p:extLst>
       <p:ext uri="{BB962C8B-B14F-4D97-AF65-F5344CB8AC3E}">
@@ -7948,31 +7960,35 @@
           </a:p>
         </p:txBody>
       </p:sp>
-      <p:sp>
-        <p:nvSpPr>
-          <p:cNvPr id="8" name="내용 개체 틀 7">
-            <a:extLst>
-              <a:ext uri="{FF2B5EF4-FFF2-40B4-BE49-F238E27FC236}">
-                <a16:creationId xmlns:a16="http://schemas.microsoft.com/office/drawing/2014/main" id="{C299FBD3-DB39-4B72-B387-ABB1EDB2C66D}"/>
-              </a:ext>
-            </a:extLst>
-          </p:cNvPr>
-          <p:cNvSpPr>
-            <a:spLocks noGrp="1"/>
-          </p:cNvSpPr>
-          <p:nvPr>
-            <p:ph sz="quarter" idx="13"/>
-          </p:nvPr>
-        </p:nvSpPr>
-        <p:spPr/>
-        <p:txBody>
-          <a:bodyPr/>
-          <a:lstStyle/>
-          <a:p>
-            <a:endParaRPr lang="ko-KR" altLang="en-US"/>
-          </a:p>
-        </p:txBody>
-      </p:sp>
+      <p:pic>
+        <p:nvPicPr>
+          <p:cNvPr id="9" name="그림 8">
+            <a:extLst>
+              <a:ext uri="{FF2B5EF4-FFF2-40B4-BE49-F238E27FC236}">
+                <a16:creationId xmlns:a16="http://schemas.microsoft.com/office/drawing/2014/main" id="{45A38513-90C1-43E9-B1CF-498C6BAAD162}"/>
+              </a:ext>
+            </a:extLst>
+          </p:cNvPr>
+          <p:cNvPicPr>
+            <a:picLocks noChangeAspect="1"/>
+          </p:cNvPicPr>
+          <p:nvPr/>
+        </p:nvPicPr>
+        <p:blipFill rotWithShape="1">
+          <a:blip r:embed="rId2"/>
+          <a:srcRect l="62859" t="7324" b="60162"/>
+          <a:stretch/>
+        </p:blipFill>
+        <p:spPr>
+          <a:xfrm>
+            <a:off x="1808820" y="1757677"/>
+            <a:ext cx="8107622" cy="3992491"/>
+          </a:xfrm>
+          <a:prstGeom prst="rect">
+            <a:avLst/>
+          </a:prstGeom>
+        </p:spPr>
+      </p:pic>
     </p:spTree>
     <p:extLst>
       <p:ext uri="{BB962C8B-B14F-4D97-AF65-F5344CB8AC3E}">
@@ -8131,7 +8147,7 @@
             </a:r>
             <a:r>
               <a:rPr lang="ko-KR" altLang="en-US" dirty="0"/>
-              <a:t>나머지 기능 전부</a:t>
+              <a:t>나머지</a:t>
             </a:r>
             <a:r>
               <a:rPr lang="en-US" altLang="ko-KR" dirty="0"/>
@@ -8141,31 +8157,35 @@
           </a:p>
         </p:txBody>
       </p:sp>
-      <p:sp>
-        <p:nvSpPr>
-          <p:cNvPr id="8" name="내용 개체 틀 7">
-            <a:extLst>
-              <a:ext uri="{FF2B5EF4-FFF2-40B4-BE49-F238E27FC236}">
-                <a16:creationId xmlns:a16="http://schemas.microsoft.com/office/drawing/2014/main" id="{C299FBD3-DB39-4B72-B387-ABB1EDB2C66D}"/>
-              </a:ext>
-            </a:extLst>
-          </p:cNvPr>
-          <p:cNvSpPr>
-            <a:spLocks noGrp="1"/>
-          </p:cNvSpPr>
-          <p:nvPr>
-            <p:ph sz="quarter" idx="13"/>
-          </p:nvPr>
-        </p:nvSpPr>
-        <p:spPr/>
-        <p:txBody>
-          <a:bodyPr/>
-          <a:lstStyle/>
-          <a:p>
-            <a:endParaRPr lang="ko-KR" altLang="en-US"/>
-          </a:p>
-        </p:txBody>
-      </p:sp>
+      <p:pic>
+        <p:nvPicPr>
+          <p:cNvPr id="9" name="그림 8">
+            <a:extLst>
+              <a:ext uri="{FF2B5EF4-FFF2-40B4-BE49-F238E27FC236}">
+                <a16:creationId xmlns:a16="http://schemas.microsoft.com/office/drawing/2014/main" id="{63626032-E674-4278-B2B1-A8DE78723452}"/>
+              </a:ext>
+            </a:extLst>
+          </p:cNvPr>
+          <p:cNvPicPr>
+            <a:picLocks noChangeAspect="1"/>
+          </p:cNvPicPr>
+          <p:nvPr/>
+        </p:nvPicPr>
+        <p:blipFill rotWithShape="1">
+          <a:blip r:embed="rId2"/>
+          <a:srcRect l="62592" t="38731" b="3591"/>
+          <a:stretch/>
+        </p:blipFill>
+        <p:spPr>
+          <a:xfrm>
+            <a:off x="3015762" y="1532707"/>
+            <a:ext cx="5503984" cy="4773752"/>
+          </a:xfrm>
+          <a:prstGeom prst="rect">
+            <a:avLst/>
+          </a:prstGeom>
+        </p:spPr>
+      </p:pic>
     </p:spTree>
     <p:extLst>
       <p:ext uri="{BB962C8B-B14F-4D97-AF65-F5344CB8AC3E}">
